--- a/ppt 16-9/1055.神未曾应许.pptx
+++ b/ppt 16-9/1055.神未曾应许.pptx
@@ -129,7 +129,7 @@
           <p:cNvPr id="2" name="标题 1">
             <a:extLst>
               <a:ext uri="{FF2B5EF4-FFF2-40B4-BE49-F238E27FC236}">
-                <a16:creationId xmlns:a16="http://schemas.microsoft.com/office/drawing/2014/main" id="{349D179B-3307-89DE-8730-6BCFD7F49E84}"/>
+                <a16:creationId xmlns:a16="http://schemas.microsoft.com/office/drawing/2014/main" id="{01831657-73DD-811E-1119-B1AAF20002CF}"/>
               </a:ext>
             </a:extLst>
           </p:cNvPr>
@@ -166,7 +166,7 @@
           <p:cNvPr id="3" name="副标题 2">
             <a:extLst>
               <a:ext uri="{FF2B5EF4-FFF2-40B4-BE49-F238E27FC236}">
-                <a16:creationId xmlns:a16="http://schemas.microsoft.com/office/drawing/2014/main" id="{24535A75-041B-A1D6-6A2D-2815145B1BA1}"/>
+                <a16:creationId xmlns:a16="http://schemas.microsoft.com/office/drawing/2014/main" id="{83067736-1CF6-1EC0-992C-EE5F907C71FE}"/>
               </a:ext>
             </a:extLst>
           </p:cNvPr>
@@ -236,7 +236,7 @@
           <p:cNvPr id="4" name="日期占位符 3">
             <a:extLst>
               <a:ext uri="{FF2B5EF4-FFF2-40B4-BE49-F238E27FC236}">
-                <a16:creationId xmlns:a16="http://schemas.microsoft.com/office/drawing/2014/main" id="{A0AA9EA1-03F0-EEE5-D90C-889DD23DD10F}"/>
+                <a16:creationId xmlns:a16="http://schemas.microsoft.com/office/drawing/2014/main" id="{3BD9500C-9EEF-A646-757F-02811921B594}"/>
               </a:ext>
             </a:extLst>
           </p:cNvPr>
@@ -252,7 +252,7 @@
           <a:bodyPr/>
           <a:lstStyle/>
           <a:p>
-            <a:fld id="{3875DCB2-B4CB-4E38-ADAB-7B48818F69B4}" type="datetimeFigureOut">
+            <a:fld id="{3C2ECCBA-BBFB-4916-91D3-AAAD33C09FDA}" type="datetimeFigureOut">
               <a:rPr lang="zh-CN" altLang="en-US" smtClean="0"/>
               <a:t>2024/3/10</a:t>
             </a:fld>
@@ -265,7 +265,7 @@
           <p:cNvPr id="5" name="页脚占位符 4">
             <a:extLst>
               <a:ext uri="{FF2B5EF4-FFF2-40B4-BE49-F238E27FC236}">
-                <a16:creationId xmlns:a16="http://schemas.microsoft.com/office/drawing/2014/main" id="{FF30842C-EFB3-1660-2B12-1BC7D0ECD672}"/>
+                <a16:creationId xmlns:a16="http://schemas.microsoft.com/office/drawing/2014/main" id="{4D76425A-5C99-B33B-D646-0870C2F97633}"/>
               </a:ext>
             </a:extLst>
           </p:cNvPr>
@@ -290,7 +290,7 @@
           <p:cNvPr id="6" name="灯片编号占位符 5">
             <a:extLst>
               <a:ext uri="{FF2B5EF4-FFF2-40B4-BE49-F238E27FC236}">
-                <a16:creationId xmlns:a16="http://schemas.microsoft.com/office/drawing/2014/main" id="{1261D910-E91B-FC63-CD44-DF3F6F4C0BD0}"/>
+                <a16:creationId xmlns:a16="http://schemas.microsoft.com/office/drawing/2014/main" id="{6E7BE4A9-B5F4-82E2-0444-486C052691AB}"/>
               </a:ext>
             </a:extLst>
           </p:cNvPr>
@@ -306,7 +306,7 @@
           <a:bodyPr/>
           <a:lstStyle/>
           <a:p>
-            <a:fld id="{16DCD4C0-20AC-46B2-8645-EB304B0688B3}" type="slidenum">
+            <a:fld id="{86CD7BCB-567F-4964-A8A4-62116D830E77}" type="slidenum">
               <a:rPr lang="zh-CN" altLang="en-US" smtClean="0"/>
               <a:t>‹#›</a:t>
             </a:fld>
@@ -317,7 +317,7 @@
     </p:spTree>
     <p:extLst>
       <p:ext uri="{BB962C8B-B14F-4D97-AF65-F5344CB8AC3E}">
-        <p14:creationId xmlns:p14="http://schemas.microsoft.com/office/powerpoint/2010/main" val="3548938534"/>
+        <p14:creationId xmlns:p14="http://schemas.microsoft.com/office/powerpoint/2010/main" val="376762935"/>
       </p:ext>
     </p:extLst>
   </p:cSld>
@@ -349,7 +349,7 @@
           <p:cNvPr id="2" name="标题 1">
             <a:extLst>
               <a:ext uri="{FF2B5EF4-FFF2-40B4-BE49-F238E27FC236}">
-                <a16:creationId xmlns:a16="http://schemas.microsoft.com/office/drawing/2014/main" id="{EAB14167-531F-50B9-176C-2853DF7CF647}"/>
+                <a16:creationId xmlns:a16="http://schemas.microsoft.com/office/drawing/2014/main" id="{DAA2342D-79A9-E871-04E8-3D3B355D48C5}"/>
               </a:ext>
             </a:extLst>
           </p:cNvPr>
@@ -377,7 +377,7 @@
           <p:cNvPr id="3" name="竖排文字占位符 2">
             <a:extLst>
               <a:ext uri="{FF2B5EF4-FFF2-40B4-BE49-F238E27FC236}">
-                <a16:creationId xmlns:a16="http://schemas.microsoft.com/office/drawing/2014/main" id="{2668D498-7805-8C05-84DC-B9D4E9CF4A45}"/>
+                <a16:creationId xmlns:a16="http://schemas.microsoft.com/office/drawing/2014/main" id="{E9F47FB3-D1BD-ED3E-24F0-88B947C054E5}"/>
               </a:ext>
             </a:extLst>
           </p:cNvPr>
@@ -434,7 +434,7 @@
           <p:cNvPr id="4" name="日期占位符 3">
             <a:extLst>
               <a:ext uri="{FF2B5EF4-FFF2-40B4-BE49-F238E27FC236}">
-                <a16:creationId xmlns:a16="http://schemas.microsoft.com/office/drawing/2014/main" id="{B94F71EE-C6AC-F8F6-1118-80EA9DB814D9}"/>
+                <a16:creationId xmlns:a16="http://schemas.microsoft.com/office/drawing/2014/main" id="{31DFAC14-4FD9-B9F1-00DA-A2DC3C5D8CE3}"/>
               </a:ext>
             </a:extLst>
           </p:cNvPr>
@@ -450,7 +450,7 @@
           <a:bodyPr/>
           <a:lstStyle/>
           <a:p>
-            <a:fld id="{3875DCB2-B4CB-4E38-ADAB-7B48818F69B4}" type="datetimeFigureOut">
+            <a:fld id="{3C2ECCBA-BBFB-4916-91D3-AAAD33C09FDA}" type="datetimeFigureOut">
               <a:rPr lang="zh-CN" altLang="en-US" smtClean="0"/>
               <a:t>2024/3/10</a:t>
             </a:fld>
@@ -463,7 +463,7 @@
           <p:cNvPr id="5" name="页脚占位符 4">
             <a:extLst>
               <a:ext uri="{FF2B5EF4-FFF2-40B4-BE49-F238E27FC236}">
-                <a16:creationId xmlns:a16="http://schemas.microsoft.com/office/drawing/2014/main" id="{301ACC44-E41D-334C-817F-BC7E43416710}"/>
+                <a16:creationId xmlns:a16="http://schemas.microsoft.com/office/drawing/2014/main" id="{8D687802-0BD9-6A89-395C-D0ACA27473E3}"/>
               </a:ext>
             </a:extLst>
           </p:cNvPr>
@@ -488,7 +488,7 @@
           <p:cNvPr id="6" name="灯片编号占位符 5">
             <a:extLst>
               <a:ext uri="{FF2B5EF4-FFF2-40B4-BE49-F238E27FC236}">
-                <a16:creationId xmlns:a16="http://schemas.microsoft.com/office/drawing/2014/main" id="{1978467C-5DBE-C36F-1E0C-41C5A077425B}"/>
+                <a16:creationId xmlns:a16="http://schemas.microsoft.com/office/drawing/2014/main" id="{B9DA9B73-D5AD-EAE7-5EA5-9A644373C4E2}"/>
               </a:ext>
             </a:extLst>
           </p:cNvPr>
@@ -504,7 +504,7 @@
           <a:bodyPr/>
           <a:lstStyle/>
           <a:p>
-            <a:fld id="{16DCD4C0-20AC-46B2-8645-EB304B0688B3}" type="slidenum">
+            <a:fld id="{86CD7BCB-567F-4964-A8A4-62116D830E77}" type="slidenum">
               <a:rPr lang="zh-CN" altLang="en-US" smtClean="0"/>
               <a:t>‹#›</a:t>
             </a:fld>
@@ -515,7 +515,7 @@
     </p:spTree>
     <p:extLst>
       <p:ext uri="{BB962C8B-B14F-4D97-AF65-F5344CB8AC3E}">
-        <p14:creationId xmlns:p14="http://schemas.microsoft.com/office/powerpoint/2010/main" val="2007043890"/>
+        <p14:creationId xmlns:p14="http://schemas.microsoft.com/office/powerpoint/2010/main" val="2265573835"/>
       </p:ext>
     </p:extLst>
   </p:cSld>
@@ -547,7 +547,7 @@
           <p:cNvPr id="2" name="竖排标题 1">
             <a:extLst>
               <a:ext uri="{FF2B5EF4-FFF2-40B4-BE49-F238E27FC236}">
-                <a16:creationId xmlns:a16="http://schemas.microsoft.com/office/drawing/2014/main" id="{3385A032-DEBD-5262-BA11-7BFA8B1E7DD3}"/>
+                <a16:creationId xmlns:a16="http://schemas.microsoft.com/office/drawing/2014/main" id="{5ED8F199-3493-4580-2854-E9BFF7062C90}"/>
               </a:ext>
             </a:extLst>
           </p:cNvPr>
@@ -580,7 +580,7 @@
           <p:cNvPr id="3" name="竖排文字占位符 2">
             <a:extLst>
               <a:ext uri="{FF2B5EF4-FFF2-40B4-BE49-F238E27FC236}">
-                <a16:creationId xmlns:a16="http://schemas.microsoft.com/office/drawing/2014/main" id="{BEC230DC-98AB-9730-14AF-1DEF6BFACD5F}"/>
+                <a16:creationId xmlns:a16="http://schemas.microsoft.com/office/drawing/2014/main" id="{80CFCE8E-9C67-EE8C-E507-66F9F88DB2C8}"/>
               </a:ext>
             </a:extLst>
           </p:cNvPr>
@@ -642,7 +642,7 @@
           <p:cNvPr id="4" name="日期占位符 3">
             <a:extLst>
               <a:ext uri="{FF2B5EF4-FFF2-40B4-BE49-F238E27FC236}">
-                <a16:creationId xmlns:a16="http://schemas.microsoft.com/office/drawing/2014/main" id="{1E62A5E3-7B71-D9AF-03B9-24C13C7508CD}"/>
+                <a16:creationId xmlns:a16="http://schemas.microsoft.com/office/drawing/2014/main" id="{5B8AE137-E257-A6BF-D882-084ADC12490F}"/>
               </a:ext>
             </a:extLst>
           </p:cNvPr>
@@ -658,7 +658,7 @@
           <a:bodyPr/>
           <a:lstStyle/>
           <a:p>
-            <a:fld id="{3875DCB2-B4CB-4E38-ADAB-7B48818F69B4}" type="datetimeFigureOut">
+            <a:fld id="{3C2ECCBA-BBFB-4916-91D3-AAAD33C09FDA}" type="datetimeFigureOut">
               <a:rPr lang="zh-CN" altLang="en-US" smtClean="0"/>
               <a:t>2024/3/10</a:t>
             </a:fld>
@@ -671,7 +671,7 @@
           <p:cNvPr id="5" name="页脚占位符 4">
             <a:extLst>
               <a:ext uri="{FF2B5EF4-FFF2-40B4-BE49-F238E27FC236}">
-                <a16:creationId xmlns:a16="http://schemas.microsoft.com/office/drawing/2014/main" id="{D1D729C3-6CEE-908A-6E85-570636025EEE}"/>
+                <a16:creationId xmlns:a16="http://schemas.microsoft.com/office/drawing/2014/main" id="{8F1B8961-FAD5-97B8-312F-B2A12A4575BD}"/>
               </a:ext>
             </a:extLst>
           </p:cNvPr>
@@ -696,7 +696,7 @@
           <p:cNvPr id="6" name="灯片编号占位符 5">
             <a:extLst>
               <a:ext uri="{FF2B5EF4-FFF2-40B4-BE49-F238E27FC236}">
-                <a16:creationId xmlns:a16="http://schemas.microsoft.com/office/drawing/2014/main" id="{1FC6F9BE-00CD-79E7-4E14-0EB9E9AB6F55}"/>
+                <a16:creationId xmlns:a16="http://schemas.microsoft.com/office/drawing/2014/main" id="{47487058-A799-4A51-DF89-34752365B5D2}"/>
               </a:ext>
             </a:extLst>
           </p:cNvPr>
@@ -712,7 +712,7 @@
           <a:bodyPr/>
           <a:lstStyle/>
           <a:p>
-            <a:fld id="{16DCD4C0-20AC-46B2-8645-EB304B0688B3}" type="slidenum">
+            <a:fld id="{86CD7BCB-567F-4964-A8A4-62116D830E77}" type="slidenum">
               <a:rPr lang="zh-CN" altLang="en-US" smtClean="0"/>
               <a:t>‹#›</a:t>
             </a:fld>
@@ -723,7 +723,7 @@
     </p:spTree>
     <p:extLst>
       <p:ext uri="{BB962C8B-B14F-4D97-AF65-F5344CB8AC3E}">
-        <p14:creationId xmlns:p14="http://schemas.microsoft.com/office/powerpoint/2010/main" val="1246423778"/>
+        <p14:creationId xmlns:p14="http://schemas.microsoft.com/office/powerpoint/2010/main" val="660996536"/>
       </p:ext>
     </p:extLst>
   </p:cSld>
@@ -755,7 +755,7 @@
           <p:cNvPr id="2" name="标题 1">
             <a:extLst>
               <a:ext uri="{FF2B5EF4-FFF2-40B4-BE49-F238E27FC236}">
-                <a16:creationId xmlns:a16="http://schemas.microsoft.com/office/drawing/2014/main" id="{E8E6E9E7-A92D-0632-4F03-09A57EC8366B}"/>
+                <a16:creationId xmlns:a16="http://schemas.microsoft.com/office/drawing/2014/main" id="{B8810647-0EC4-D4F8-FE77-FA1388757061}"/>
               </a:ext>
             </a:extLst>
           </p:cNvPr>
@@ -783,7 +783,7 @@
           <p:cNvPr id="3" name="内容占位符 2">
             <a:extLst>
               <a:ext uri="{FF2B5EF4-FFF2-40B4-BE49-F238E27FC236}">
-                <a16:creationId xmlns:a16="http://schemas.microsoft.com/office/drawing/2014/main" id="{12397846-42AD-3896-E4E9-2364DD200B2E}"/>
+                <a16:creationId xmlns:a16="http://schemas.microsoft.com/office/drawing/2014/main" id="{FA77222B-B9F9-D71C-634C-9F6C98920CD4}"/>
               </a:ext>
             </a:extLst>
           </p:cNvPr>
@@ -840,7 +840,7 @@
           <p:cNvPr id="4" name="日期占位符 3">
             <a:extLst>
               <a:ext uri="{FF2B5EF4-FFF2-40B4-BE49-F238E27FC236}">
-                <a16:creationId xmlns:a16="http://schemas.microsoft.com/office/drawing/2014/main" id="{415307B9-57B5-02CA-79CC-653AA1A9E283}"/>
+                <a16:creationId xmlns:a16="http://schemas.microsoft.com/office/drawing/2014/main" id="{8718EE50-27A5-9182-68D8-3707D2E3B8EA}"/>
               </a:ext>
             </a:extLst>
           </p:cNvPr>
@@ -856,7 +856,7 @@
           <a:bodyPr/>
           <a:lstStyle/>
           <a:p>
-            <a:fld id="{3875DCB2-B4CB-4E38-ADAB-7B48818F69B4}" type="datetimeFigureOut">
+            <a:fld id="{3C2ECCBA-BBFB-4916-91D3-AAAD33C09FDA}" type="datetimeFigureOut">
               <a:rPr lang="zh-CN" altLang="en-US" smtClean="0"/>
               <a:t>2024/3/10</a:t>
             </a:fld>
@@ -869,7 +869,7 @@
           <p:cNvPr id="5" name="页脚占位符 4">
             <a:extLst>
               <a:ext uri="{FF2B5EF4-FFF2-40B4-BE49-F238E27FC236}">
-                <a16:creationId xmlns:a16="http://schemas.microsoft.com/office/drawing/2014/main" id="{206F14CF-4C60-4D7A-E672-F1A6A1BEACBB}"/>
+                <a16:creationId xmlns:a16="http://schemas.microsoft.com/office/drawing/2014/main" id="{01ABEBD8-915A-0CB9-786C-8D4BBA5A0CEC}"/>
               </a:ext>
             </a:extLst>
           </p:cNvPr>
@@ -894,7 +894,7 @@
           <p:cNvPr id="6" name="灯片编号占位符 5">
             <a:extLst>
               <a:ext uri="{FF2B5EF4-FFF2-40B4-BE49-F238E27FC236}">
-                <a16:creationId xmlns:a16="http://schemas.microsoft.com/office/drawing/2014/main" id="{E7DA7C2A-2F8B-091A-C22D-DA16417033C5}"/>
+                <a16:creationId xmlns:a16="http://schemas.microsoft.com/office/drawing/2014/main" id="{CC51D087-ECEE-FEE7-C0A7-66C49CC37BCD}"/>
               </a:ext>
             </a:extLst>
           </p:cNvPr>
@@ -910,7 +910,7 @@
           <a:bodyPr/>
           <a:lstStyle/>
           <a:p>
-            <a:fld id="{16DCD4C0-20AC-46B2-8645-EB304B0688B3}" type="slidenum">
+            <a:fld id="{86CD7BCB-567F-4964-A8A4-62116D830E77}" type="slidenum">
               <a:rPr lang="zh-CN" altLang="en-US" smtClean="0"/>
               <a:t>‹#›</a:t>
             </a:fld>
@@ -921,7 +921,7 @@
     </p:spTree>
     <p:extLst>
       <p:ext uri="{BB962C8B-B14F-4D97-AF65-F5344CB8AC3E}">
-        <p14:creationId xmlns:p14="http://schemas.microsoft.com/office/powerpoint/2010/main" val="3611896353"/>
+        <p14:creationId xmlns:p14="http://schemas.microsoft.com/office/powerpoint/2010/main" val="1972011617"/>
       </p:ext>
     </p:extLst>
   </p:cSld>
@@ -953,7 +953,7 @@
           <p:cNvPr id="2" name="标题 1">
             <a:extLst>
               <a:ext uri="{FF2B5EF4-FFF2-40B4-BE49-F238E27FC236}">
-                <a16:creationId xmlns:a16="http://schemas.microsoft.com/office/drawing/2014/main" id="{AF7E0972-51FA-461E-4DA9-AD992AAFE2CC}"/>
+                <a16:creationId xmlns:a16="http://schemas.microsoft.com/office/drawing/2014/main" id="{F3260042-FF5E-0CFB-3B2E-AB55D3A842C2}"/>
               </a:ext>
             </a:extLst>
           </p:cNvPr>
@@ -990,7 +990,7 @@
           <p:cNvPr id="3" name="文本占位符 2">
             <a:extLst>
               <a:ext uri="{FF2B5EF4-FFF2-40B4-BE49-F238E27FC236}">
-                <a16:creationId xmlns:a16="http://schemas.microsoft.com/office/drawing/2014/main" id="{5F803154-BA1F-7BB7-386A-DD9F0F95C8D9}"/>
+                <a16:creationId xmlns:a16="http://schemas.microsoft.com/office/drawing/2014/main" id="{56C48148-D80A-D6A1-DB2C-9A9D2116F2F2}"/>
               </a:ext>
             </a:extLst>
           </p:cNvPr>
@@ -1115,7 +1115,7 @@
           <p:cNvPr id="4" name="日期占位符 3">
             <a:extLst>
               <a:ext uri="{FF2B5EF4-FFF2-40B4-BE49-F238E27FC236}">
-                <a16:creationId xmlns:a16="http://schemas.microsoft.com/office/drawing/2014/main" id="{44E39BDF-9CA7-96A7-3CD2-51F8EE30168B}"/>
+                <a16:creationId xmlns:a16="http://schemas.microsoft.com/office/drawing/2014/main" id="{245F7FD5-A31B-7830-C738-78185A824276}"/>
               </a:ext>
             </a:extLst>
           </p:cNvPr>
@@ -1131,7 +1131,7 @@
           <a:bodyPr/>
           <a:lstStyle/>
           <a:p>
-            <a:fld id="{3875DCB2-B4CB-4E38-ADAB-7B48818F69B4}" type="datetimeFigureOut">
+            <a:fld id="{3C2ECCBA-BBFB-4916-91D3-AAAD33C09FDA}" type="datetimeFigureOut">
               <a:rPr lang="zh-CN" altLang="en-US" smtClean="0"/>
               <a:t>2024/3/10</a:t>
             </a:fld>
@@ -1144,7 +1144,7 @@
           <p:cNvPr id="5" name="页脚占位符 4">
             <a:extLst>
               <a:ext uri="{FF2B5EF4-FFF2-40B4-BE49-F238E27FC236}">
-                <a16:creationId xmlns:a16="http://schemas.microsoft.com/office/drawing/2014/main" id="{5C1B85BF-6B0B-BBEF-0149-1084854F86A6}"/>
+                <a16:creationId xmlns:a16="http://schemas.microsoft.com/office/drawing/2014/main" id="{CEF33DB0-3F06-F661-1EC8-94457525D9D9}"/>
               </a:ext>
             </a:extLst>
           </p:cNvPr>
@@ -1169,7 +1169,7 @@
           <p:cNvPr id="6" name="灯片编号占位符 5">
             <a:extLst>
               <a:ext uri="{FF2B5EF4-FFF2-40B4-BE49-F238E27FC236}">
-                <a16:creationId xmlns:a16="http://schemas.microsoft.com/office/drawing/2014/main" id="{AA0BA403-6C0C-8922-0C50-3D3E2089793D}"/>
+                <a16:creationId xmlns:a16="http://schemas.microsoft.com/office/drawing/2014/main" id="{AA0D1FFC-C83B-4DEB-3C8D-9A5164297AF7}"/>
               </a:ext>
             </a:extLst>
           </p:cNvPr>
@@ -1185,7 +1185,7 @@
           <a:bodyPr/>
           <a:lstStyle/>
           <a:p>
-            <a:fld id="{16DCD4C0-20AC-46B2-8645-EB304B0688B3}" type="slidenum">
+            <a:fld id="{86CD7BCB-567F-4964-A8A4-62116D830E77}" type="slidenum">
               <a:rPr lang="zh-CN" altLang="en-US" smtClean="0"/>
               <a:t>‹#›</a:t>
             </a:fld>
@@ -1196,7 +1196,7 @@
     </p:spTree>
     <p:extLst>
       <p:ext uri="{BB962C8B-B14F-4D97-AF65-F5344CB8AC3E}">
-        <p14:creationId xmlns:p14="http://schemas.microsoft.com/office/powerpoint/2010/main" val="560106254"/>
+        <p14:creationId xmlns:p14="http://schemas.microsoft.com/office/powerpoint/2010/main" val="2480999275"/>
       </p:ext>
     </p:extLst>
   </p:cSld>
@@ -1228,7 +1228,7 @@
           <p:cNvPr id="2" name="标题 1">
             <a:extLst>
               <a:ext uri="{FF2B5EF4-FFF2-40B4-BE49-F238E27FC236}">
-                <a16:creationId xmlns:a16="http://schemas.microsoft.com/office/drawing/2014/main" id="{3309E874-1325-29CD-651C-B812AEDEA1F8}"/>
+                <a16:creationId xmlns:a16="http://schemas.microsoft.com/office/drawing/2014/main" id="{F225CA2C-5B44-9DA5-FE11-3CEFFA3C8A7C}"/>
               </a:ext>
             </a:extLst>
           </p:cNvPr>
@@ -1256,7 +1256,7 @@
           <p:cNvPr id="3" name="内容占位符 2">
             <a:extLst>
               <a:ext uri="{FF2B5EF4-FFF2-40B4-BE49-F238E27FC236}">
-                <a16:creationId xmlns:a16="http://schemas.microsoft.com/office/drawing/2014/main" id="{C7A4D8B6-9471-707A-F3C1-C1AE5124A260}"/>
+                <a16:creationId xmlns:a16="http://schemas.microsoft.com/office/drawing/2014/main" id="{A37E67CA-0596-E345-35B1-325480107CC1}"/>
               </a:ext>
             </a:extLst>
           </p:cNvPr>
@@ -1318,7 +1318,7 @@
           <p:cNvPr id="4" name="内容占位符 3">
             <a:extLst>
               <a:ext uri="{FF2B5EF4-FFF2-40B4-BE49-F238E27FC236}">
-                <a16:creationId xmlns:a16="http://schemas.microsoft.com/office/drawing/2014/main" id="{0A3F0753-6FA2-9FD9-13C5-C51299D2A790}"/>
+                <a16:creationId xmlns:a16="http://schemas.microsoft.com/office/drawing/2014/main" id="{28A1BD14-245B-6602-8948-988B9F1B5B02}"/>
               </a:ext>
             </a:extLst>
           </p:cNvPr>
@@ -1380,7 +1380,7 @@
           <p:cNvPr id="5" name="日期占位符 4">
             <a:extLst>
               <a:ext uri="{FF2B5EF4-FFF2-40B4-BE49-F238E27FC236}">
-                <a16:creationId xmlns:a16="http://schemas.microsoft.com/office/drawing/2014/main" id="{A1A2925C-6B5A-22E3-E9FD-533EF05012BC}"/>
+                <a16:creationId xmlns:a16="http://schemas.microsoft.com/office/drawing/2014/main" id="{073C943D-1827-9538-6257-F4838020DF8B}"/>
               </a:ext>
             </a:extLst>
           </p:cNvPr>
@@ -1396,7 +1396,7 @@
           <a:bodyPr/>
           <a:lstStyle/>
           <a:p>
-            <a:fld id="{3875DCB2-B4CB-4E38-ADAB-7B48818F69B4}" type="datetimeFigureOut">
+            <a:fld id="{3C2ECCBA-BBFB-4916-91D3-AAAD33C09FDA}" type="datetimeFigureOut">
               <a:rPr lang="zh-CN" altLang="en-US" smtClean="0"/>
               <a:t>2024/3/10</a:t>
             </a:fld>
@@ -1409,7 +1409,7 @@
           <p:cNvPr id="6" name="页脚占位符 5">
             <a:extLst>
               <a:ext uri="{FF2B5EF4-FFF2-40B4-BE49-F238E27FC236}">
-                <a16:creationId xmlns:a16="http://schemas.microsoft.com/office/drawing/2014/main" id="{06FB9505-A876-AA17-83BD-3C03B20A1FC0}"/>
+                <a16:creationId xmlns:a16="http://schemas.microsoft.com/office/drawing/2014/main" id="{E30C2469-C934-79E6-D167-EB0162792DDC}"/>
               </a:ext>
             </a:extLst>
           </p:cNvPr>
@@ -1434,7 +1434,7 @@
           <p:cNvPr id="7" name="灯片编号占位符 6">
             <a:extLst>
               <a:ext uri="{FF2B5EF4-FFF2-40B4-BE49-F238E27FC236}">
-                <a16:creationId xmlns:a16="http://schemas.microsoft.com/office/drawing/2014/main" id="{67C44F31-D40C-CFBA-6F78-1F0976122069}"/>
+                <a16:creationId xmlns:a16="http://schemas.microsoft.com/office/drawing/2014/main" id="{8C6D9851-2822-3F76-57B0-16AE277BA6C0}"/>
               </a:ext>
             </a:extLst>
           </p:cNvPr>
@@ -1450,7 +1450,7 @@
           <a:bodyPr/>
           <a:lstStyle/>
           <a:p>
-            <a:fld id="{16DCD4C0-20AC-46B2-8645-EB304B0688B3}" type="slidenum">
+            <a:fld id="{86CD7BCB-567F-4964-A8A4-62116D830E77}" type="slidenum">
               <a:rPr lang="zh-CN" altLang="en-US" smtClean="0"/>
               <a:t>‹#›</a:t>
             </a:fld>
@@ -1461,7 +1461,7 @@
     </p:spTree>
     <p:extLst>
       <p:ext uri="{BB962C8B-B14F-4D97-AF65-F5344CB8AC3E}">
-        <p14:creationId xmlns:p14="http://schemas.microsoft.com/office/powerpoint/2010/main" val="1508658138"/>
+        <p14:creationId xmlns:p14="http://schemas.microsoft.com/office/powerpoint/2010/main" val="3541172076"/>
       </p:ext>
     </p:extLst>
   </p:cSld>
@@ -1493,7 +1493,7 @@
           <p:cNvPr id="2" name="标题 1">
             <a:extLst>
               <a:ext uri="{FF2B5EF4-FFF2-40B4-BE49-F238E27FC236}">
-                <a16:creationId xmlns:a16="http://schemas.microsoft.com/office/drawing/2014/main" id="{208486DD-2574-03FF-5030-DA88B5FCB56A}"/>
+                <a16:creationId xmlns:a16="http://schemas.microsoft.com/office/drawing/2014/main" id="{BEAB571B-A344-51D6-21FE-79B178A0914A}"/>
               </a:ext>
             </a:extLst>
           </p:cNvPr>
@@ -1526,7 +1526,7 @@
           <p:cNvPr id="3" name="文本占位符 2">
             <a:extLst>
               <a:ext uri="{FF2B5EF4-FFF2-40B4-BE49-F238E27FC236}">
-                <a16:creationId xmlns:a16="http://schemas.microsoft.com/office/drawing/2014/main" id="{8F4357F4-2C66-219F-3582-3305C47ED659}"/>
+                <a16:creationId xmlns:a16="http://schemas.microsoft.com/office/drawing/2014/main" id="{3013AB3A-D7D9-5174-D853-E80AE9201F4E}"/>
               </a:ext>
             </a:extLst>
           </p:cNvPr>
@@ -1597,7 +1597,7 @@
           <p:cNvPr id="4" name="内容占位符 3">
             <a:extLst>
               <a:ext uri="{FF2B5EF4-FFF2-40B4-BE49-F238E27FC236}">
-                <a16:creationId xmlns:a16="http://schemas.microsoft.com/office/drawing/2014/main" id="{1DFF92EA-276C-2CD7-DB06-4A8F733029F5}"/>
+                <a16:creationId xmlns:a16="http://schemas.microsoft.com/office/drawing/2014/main" id="{94C8DCD4-7246-4F4D-5274-CFB808557C1E}"/>
               </a:ext>
             </a:extLst>
           </p:cNvPr>
@@ -1659,7 +1659,7 @@
           <p:cNvPr id="5" name="文本占位符 4">
             <a:extLst>
               <a:ext uri="{FF2B5EF4-FFF2-40B4-BE49-F238E27FC236}">
-                <a16:creationId xmlns:a16="http://schemas.microsoft.com/office/drawing/2014/main" id="{0CF50B3A-16BA-7EB5-FB13-651D9E0BB6C5}"/>
+                <a16:creationId xmlns:a16="http://schemas.microsoft.com/office/drawing/2014/main" id="{3BFB5C8E-B3BA-63AE-807B-291129DD45C0}"/>
               </a:ext>
             </a:extLst>
           </p:cNvPr>
@@ -1730,7 +1730,7 @@
           <p:cNvPr id="6" name="内容占位符 5">
             <a:extLst>
               <a:ext uri="{FF2B5EF4-FFF2-40B4-BE49-F238E27FC236}">
-                <a16:creationId xmlns:a16="http://schemas.microsoft.com/office/drawing/2014/main" id="{9F735C07-2B2C-9065-B377-8EEA0DFA9533}"/>
+                <a16:creationId xmlns:a16="http://schemas.microsoft.com/office/drawing/2014/main" id="{2C02B15A-2BEC-1BF2-B8B4-84C4CFFA720F}"/>
               </a:ext>
             </a:extLst>
           </p:cNvPr>
@@ -1792,7 +1792,7 @@
           <p:cNvPr id="7" name="日期占位符 6">
             <a:extLst>
               <a:ext uri="{FF2B5EF4-FFF2-40B4-BE49-F238E27FC236}">
-                <a16:creationId xmlns:a16="http://schemas.microsoft.com/office/drawing/2014/main" id="{7CFE1C91-2665-A1A4-B608-D6E3D8ADF25C}"/>
+                <a16:creationId xmlns:a16="http://schemas.microsoft.com/office/drawing/2014/main" id="{2E4457CA-8836-690D-A782-C518D0331048}"/>
               </a:ext>
             </a:extLst>
           </p:cNvPr>
@@ -1808,7 +1808,7 @@
           <a:bodyPr/>
           <a:lstStyle/>
           <a:p>
-            <a:fld id="{3875DCB2-B4CB-4E38-ADAB-7B48818F69B4}" type="datetimeFigureOut">
+            <a:fld id="{3C2ECCBA-BBFB-4916-91D3-AAAD33C09FDA}" type="datetimeFigureOut">
               <a:rPr lang="zh-CN" altLang="en-US" smtClean="0"/>
               <a:t>2024/3/10</a:t>
             </a:fld>
@@ -1821,7 +1821,7 @@
           <p:cNvPr id="8" name="页脚占位符 7">
             <a:extLst>
               <a:ext uri="{FF2B5EF4-FFF2-40B4-BE49-F238E27FC236}">
-                <a16:creationId xmlns:a16="http://schemas.microsoft.com/office/drawing/2014/main" id="{1918ACE4-AC2F-6DCD-1B72-7E0C9E0FB1FD}"/>
+                <a16:creationId xmlns:a16="http://schemas.microsoft.com/office/drawing/2014/main" id="{41570E8E-6B6C-A42D-296B-A4F378311C25}"/>
               </a:ext>
             </a:extLst>
           </p:cNvPr>
@@ -1846,7 +1846,7 @@
           <p:cNvPr id="9" name="灯片编号占位符 8">
             <a:extLst>
               <a:ext uri="{FF2B5EF4-FFF2-40B4-BE49-F238E27FC236}">
-                <a16:creationId xmlns:a16="http://schemas.microsoft.com/office/drawing/2014/main" id="{BAE0ED7D-D188-60B5-279B-D2257AE0E6CE}"/>
+                <a16:creationId xmlns:a16="http://schemas.microsoft.com/office/drawing/2014/main" id="{A858C8C6-049A-D01B-768B-AA7A2D18170C}"/>
               </a:ext>
             </a:extLst>
           </p:cNvPr>
@@ -1862,7 +1862,7 @@
           <a:bodyPr/>
           <a:lstStyle/>
           <a:p>
-            <a:fld id="{16DCD4C0-20AC-46B2-8645-EB304B0688B3}" type="slidenum">
+            <a:fld id="{86CD7BCB-567F-4964-A8A4-62116D830E77}" type="slidenum">
               <a:rPr lang="zh-CN" altLang="en-US" smtClean="0"/>
               <a:t>‹#›</a:t>
             </a:fld>
@@ -1873,7 +1873,7 @@
     </p:spTree>
     <p:extLst>
       <p:ext uri="{BB962C8B-B14F-4D97-AF65-F5344CB8AC3E}">
-        <p14:creationId xmlns:p14="http://schemas.microsoft.com/office/powerpoint/2010/main" val="375142341"/>
+        <p14:creationId xmlns:p14="http://schemas.microsoft.com/office/powerpoint/2010/main" val="1371697816"/>
       </p:ext>
     </p:extLst>
   </p:cSld>
@@ -1905,7 +1905,7 @@
           <p:cNvPr id="2" name="标题 1">
             <a:extLst>
               <a:ext uri="{FF2B5EF4-FFF2-40B4-BE49-F238E27FC236}">
-                <a16:creationId xmlns:a16="http://schemas.microsoft.com/office/drawing/2014/main" id="{24606278-12E0-4CA3-0F98-15BB99D7EEC2}"/>
+                <a16:creationId xmlns:a16="http://schemas.microsoft.com/office/drawing/2014/main" id="{3FE8A4BD-EC10-A620-2DB9-6DB5FB576784}"/>
               </a:ext>
             </a:extLst>
           </p:cNvPr>
@@ -1933,7 +1933,7 @@
           <p:cNvPr id="3" name="日期占位符 2">
             <a:extLst>
               <a:ext uri="{FF2B5EF4-FFF2-40B4-BE49-F238E27FC236}">
-                <a16:creationId xmlns:a16="http://schemas.microsoft.com/office/drawing/2014/main" id="{AB8972B7-B791-30AA-A659-FE4F504786A1}"/>
+                <a16:creationId xmlns:a16="http://schemas.microsoft.com/office/drawing/2014/main" id="{20EB83F7-7BD9-83F5-A5EE-E7076567BC73}"/>
               </a:ext>
             </a:extLst>
           </p:cNvPr>
@@ -1949,7 +1949,7 @@
           <a:bodyPr/>
           <a:lstStyle/>
           <a:p>
-            <a:fld id="{3875DCB2-B4CB-4E38-ADAB-7B48818F69B4}" type="datetimeFigureOut">
+            <a:fld id="{3C2ECCBA-BBFB-4916-91D3-AAAD33C09FDA}" type="datetimeFigureOut">
               <a:rPr lang="zh-CN" altLang="en-US" smtClean="0"/>
               <a:t>2024/3/10</a:t>
             </a:fld>
@@ -1962,7 +1962,7 @@
           <p:cNvPr id="4" name="页脚占位符 3">
             <a:extLst>
               <a:ext uri="{FF2B5EF4-FFF2-40B4-BE49-F238E27FC236}">
-                <a16:creationId xmlns:a16="http://schemas.microsoft.com/office/drawing/2014/main" id="{22DF9687-C25F-EB3F-C79D-8ED9188416A6}"/>
+                <a16:creationId xmlns:a16="http://schemas.microsoft.com/office/drawing/2014/main" id="{C3CC5FF9-B772-E224-D971-DA687950887E}"/>
               </a:ext>
             </a:extLst>
           </p:cNvPr>
@@ -1987,7 +1987,7 @@
           <p:cNvPr id="5" name="灯片编号占位符 4">
             <a:extLst>
               <a:ext uri="{FF2B5EF4-FFF2-40B4-BE49-F238E27FC236}">
-                <a16:creationId xmlns:a16="http://schemas.microsoft.com/office/drawing/2014/main" id="{3A56ADB2-7B67-5075-71F7-E6DF4A593BE0}"/>
+                <a16:creationId xmlns:a16="http://schemas.microsoft.com/office/drawing/2014/main" id="{250668CE-11E5-7752-A667-55A72B537C77}"/>
               </a:ext>
             </a:extLst>
           </p:cNvPr>
@@ -2003,7 +2003,7 @@
           <a:bodyPr/>
           <a:lstStyle/>
           <a:p>
-            <a:fld id="{16DCD4C0-20AC-46B2-8645-EB304B0688B3}" type="slidenum">
+            <a:fld id="{86CD7BCB-567F-4964-A8A4-62116D830E77}" type="slidenum">
               <a:rPr lang="zh-CN" altLang="en-US" smtClean="0"/>
               <a:t>‹#›</a:t>
             </a:fld>
@@ -2014,7 +2014,7 @@
     </p:spTree>
     <p:extLst>
       <p:ext uri="{BB962C8B-B14F-4D97-AF65-F5344CB8AC3E}">
-        <p14:creationId xmlns:p14="http://schemas.microsoft.com/office/powerpoint/2010/main" val="2263793609"/>
+        <p14:creationId xmlns:p14="http://schemas.microsoft.com/office/powerpoint/2010/main" val="3254350452"/>
       </p:ext>
     </p:extLst>
   </p:cSld>
@@ -2046,7 +2046,7 @@
           <p:cNvPr id="2" name="日期占位符 1">
             <a:extLst>
               <a:ext uri="{FF2B5EF4-FFF2-40B4-BE49-F238E27FC236}">
-                <a16:creationId xmlns:a16="http://schemas.microsoft.com/office/drawing/2014/main" id="{042339F2-A03B-D8EF-C92F-34D9E3CEC91D}"/>
+                <a16:creationId xmlns:a16="http://schemas.microsoft.com/office/drawing/2014/main" id="{7187A8B0-1148-D9EF-3921-AB7ECC6CFEC1}"/>
               </a:ext>
             </a:extLst>
           </p:cNvPr>
@@ -2062,7 +2062,7 @@
           <a:bodyPr/>
           <a:lstStyle/>
           <a:p>
-            <a:fld id="{3875DCB2-B4CB-4E38-ADAB-7B48818F69B4}" type="datetimeFigureOut">
+            <a:fld id="{3C2ECCBA-BBFB-4916-91D3-AAAD33C09FDA}" type="datetimeFigureOut">
               <a:rPr lang="zh-CN" altLang="en-US" smtClean="0"/>
               <a:t>2024/3/10</a:t>
             </a:fld>
@@ -2075,7 +2075,7 @@
           <p:cNvPr id="3" name="页脚占位符 2">
             <a:extLst>
               <a:ext uri="{FF2B5EF4-FFF2-40B4-BE49-F238E27FC236}">
-                <a16:creationId xmlns:a16="http://schemas.microsoft.com/office/drawing/2014/main" id="{E063D305-D5D2-BC75-5863-AE5A674DD9F1}"/>
+                <a16:creationId xmlns:a16="http://schemas.microsoft.com/office/drawing/2014/main" id="{E831F154-33E4-B98D-1281-2891D8B456AE}"/>
               </a:ext>
             </a:extLst>
           </p:cNvPr>
@@ -2100,7 +2100,7 @@
           <p:cNvPr id="4" name="灯片编号占位符 3">
             <a:extLst>
               <a:ext uri="{FF2B5EF4-FFF2-40B4-BE49-F238E27FC236}">
-                <a16:creationId xmlns:a16="http://schemas.microsoft.com/office/drawing/2014/main" id="{29805FA5-5392-09D4-0B37-1C1CD0839271}"/>
+                <a16:creationId xmlns:a16="http://schemas.microsoft.com/office/drawing/2014/main" id="{21E032A2-F2AA-A2CE-D670-CCF801A5CA42}"/>
               </a:ext>
             </a:extLst>
           </p:cNvPr>
@@ -2116,7 +2116,7 @@
           <a:bodyPr/>
           <a:lstStyle/>
           <a:p>
-            <a:fld id="{16DCD4C0-20AC-46B2-8645-EB304B0688B3}" type="slidenum">
+            <a:fld id="{86CD7BCB-567F-4964-A8A4-62116D830E77}" type="slidenum">
               <a:rPr lang="zh-CN" altLang="en-US" smtClean="0"/>
               <a:t>‹#›</a:t>
             </a:fld>
@@ -2127,7 +2127,7 @@
     </p:spTree>
     <p:extLst>
       <p:ext uri="{BB962C8B-B14F-4D97-AF65-F5344CB8AC3E}">
-        <p14:creationId xmlns:p14="http://schemas.microsoft.com/office/powerpoint/2010/main" val="2259367394"/>
+        <p14:creationId xmlns:p14="http://schemas.microsoft.com/office/powerpoint/2010/main" val="2418238882"/>
       </p:ext>
     </p:extLst>
   </p:cSld>
@@ -2159,7 +2159,7 @@
           <p:cNvPr id="2" name="标题 1">
             <a:extLst>
               <a:ext uri="{FF2B5EF4-FFF2-40B4-BE49-F238E27FC236}">
-                <a16:creationId xmlns:a16="http://schemas.microsoft.com/office/drawing/2014/main" id="{D182420A-5F9B-50F2-9A61-91AD3F1F878B}"/>
+                <a16:creationId xmlns:a16="http://schemas.microsoft.com/office/drawing/2014/main" id="{D1EB4817-95D2-DAD4-AB23-E035A66F828F}"/>
               </a:ext>
             </a:extLst>
           </p:cNvPr>
@@ -2196,7 +2196,7 @@
           <p:cNvPr id="3" name="内容占位符 2">
             <a:extLst>
               <a:ext uri="{FF2B5EF4-FFF2-40B4-BE49-F238E27FC236}">
-                <a16:creationId xmlns:a16="http://schemas.microsoft.com/office/drawing/2014/main" id="{6D7403B5-8F2E-7D07-28CF-FCE591C58072}"/>
+                <a16:creationId xmlns:a16="http://schemas.microsoft.com/office/drawing/2014/main" id="{D560C1A6-F7E5-E399-57DC-15CF7F24ABD4}"/>
               </a:ext>
             </a:extLst>
           </p:cNvPr>
@@ -2286,7 +2286,7 @@
           <p:cNvPr id="4" name="文本占位符 3">
             <a:extLst>
               <a:ext uri="{FF2B5EF4-FFF2-40B4-BE49-F238E27FC236}">
-                <a16:creationId xmlns:a16="http://schemas.microsoft.com/office/drawing/2014/main" id="{2AD71D6A-AC67-BF77-C467-2DD13F20B039}"/>
+                <a16:creationId xmlns:a16="http://schemas.microsoft.com/office/drawing/2014/main" id="{D4967D6A-3868-5CF3-D26A-F588FC24B962}"/>
               </a:ext>
             </a:extLst>
           </p:cNvPr>
@@ -2357,7 +2357,7 @@
           <p:cNvPr id="5" name="日期占位符 4">
             <a:extLst>
               <a:ext uri="{FF2B5EF4-FFF2-40B4-BE49-F238E27FC236}">
-                <a16:creationId xmlns:a16="http://schemas.microsoft.com/office/drawing/2014/main" id="{FFD30554-921C-7006-90E9-1B8FA4F9C53D}"/>
+                <a16:creationId xmlns:a16="http://schemas.microsoft.com/office/drawing/2014/main" id="{0376BA91-62D8-2A13-555E-5C5732ED2B08}"/>
               </a:ext>
             </a:extLst>
           </p:cNvPr>
@@ -2373,7 +2373,7 @@
           <a:bodyPr/>
           <a:lstStyle/>
           <a:p>
-            <a:fld id="{3875DCB2-B4CB-4E38-ADAB-7B48818F69B4}" type="datetimeFigureOut">
+            <a:fld id="{3C2ECCBA-BBFB-4916-91D3-AAAD33C09FDA}" type="datetimeFigureOut">
               <a:rPr lang="zh-CN" altLang="en-US" smtClean="0"/>
               <a:t>2024/3/10</a:t>
             </a:fld>
@@ -2386,7 +2386,7 @@
           <p:cNvPr id="6" name="页脚占位符 5">
             <a:extLst>
               <a:ext uri="{FF2B5EF4-FFF2-40B4-BE49-F238E27FC236}">
-                <a16:creationId xmlns:a16="http://schemas.microsoft.com/office/drawing/2014/main" id="{34B3F0DC-BD90-56B2-65DF-289E9B970716}"/>
+                <a16:creationId xmlns:a16="http://schemas.microsoft.com/office/drawing/2014/main" id="{DF4C7820-714F-E6D2-8EBD-810D8911BACA}"/>
               </a:ext>
             </a:extLst>
           </p:cNvPr>
@@ -2411,7 +2411,7 @@
           <p:cNvPr id="7" name="灯片编号占位符 6">
             <a:extLst>
               <a:ext uri="{FF2B5EF4-FFF2-40B4-BE49-F238E27FC236}">
-                <a16:creationId xmlns:a16="http://schemas.microsoft.com/office/drawing/2014/main" id="{E792F452-1E42-E539-6EF9-3F12E5EBAAB4}"/>
+                <a16:creationId xmlns:a16="http://schemas.microsoft.com/office/drawing/2014/main" id="{C9DB8620-3B54-536A-D6A3-CA2F3A451C33}"/>
               </a:ext>
             </a:extLst>
           </p:cNvPr>
@@ -2427,7 +2427,7 @@
           <a:bodyPr/>
           <a:lstStyle/>
           <a:p>
-            <a:fld id="{16DCD4C0-20AC-46B2-8645-EB304B0688B3}" type="slidenum">
+            <a:fld id="{86CD7BCB-567F-4964-A8A4-62116D830E77}" type="slidenum">
               <a:rPr lang="zh-CN" altLang="en-US" smtClean="0"/>
               <a:t>‹#›</a:t>
             </a:fld>
@@ -2438,7 +2438,7 @@
     </p:spTree>
     <p:extLst>
       <p:ext uri="{BB962C8B-B14F-4D97-AF65-F5344CB8AC3E}">
-        <p14:creationId xmlns:p14="http://schemas.microsoft.com/office/powerpoint/2010/main" val="1481631737"/>
+        <p14:creationId xmlns:p14="http://schemas.microsoft.com/office/powerpoint/2010/main" val="1101981596"/>
       </p:ext>
     </p:extLst>
   </p:cSld>
@@ -2470,7 +2470,7 @@
           <p:cNvPr id="2" name="标题 1">
             <a:extLst>
               <a:ext uri="{FF2B5EF4-FFF2-40B4-BE49-F238E27FC236}">
-                <a16:creationId xmlns:a16="http://schemas.microsoft.com/office/drawing/2014/main" id="{3916AEAA-114B-7A6C-4339-804807F4B392}"/>
+                <a16:creationId xmlns:a16="http://schemas.microsoft.com/office/drawing/2014/main" id="{51C2FBF0-4F54-46B0-D2BF-2D4AB0B868DF}"/>
               </a:ext>
             </a:extLst>
           </p:cNvPr>
@@ -2507,7 +2507,7 @@
           <p:cNvPr id="3" name="图片占位符 2">
             <a:extLst>
               <a:ext uri="{FF2B5EF4-FFF2-40B4-BE49-F238E27FC236}">
-                <a16:creationId xmlns:a16="http://schemas.microsoft.com/office/drawing/2014/main" id="{97CAD301-1DE4-E12B-E1EA-63DD33C29A3A}"/>
+                <a16:creationId xmlns:a16="http://schemas.microsoft.com/office/drawing/2014/main" id="{BBB0F6FE-9F6A-E4B3-069A-61BC226AB553}"/>
               </a:ext>
             </a:extLst>
           </p:cNvPr>
@@ -2574,7 +2574,7 @@
           <p:cNvPr id="4" name="文本占位符 3">
             <a:extLst>
               <a:ext uri="{FF2B5EF4-FFF2-40B4-BE49-F238E27FC236}">
-                <a16:creationId xmlns:a16="http://schemas.microsoft.com/office/drawing/2014/main" id="{D8DFFB36-7B79-87C8-E87E-B51033DED25A}"/>
+                <a16:creationId xmlns:a16="http://schemas.microsoft.com/office/drawing/2014/main" id="{A2E8FE1F-CAC9-9167-802B-264EEDD11DA2}"/>
               </a:ext>
             </a:extLst>
           </p:cNvPr>
@@ -2645,7 +2645,7 @@
           <p:cNvPr id="5" name="日期占位符 4">
             <a:extLst>
               <a:ext uri="{FF2B5EF4-FFF2-40B4-BE49-F238E27FC236}">
-                <a16:creationId xmlns:a16="http://schemas.microsoft.com/office/drawing/2014/main" id="{DBFA3A8B-37F8-EF4B-0C7C-4D5ADA9C7244}"/>
+                <a16:creationId xmlns:a16="http://schemas.microsoft.com/office/drawing/2014/main" id="{A85338A7-8B91-93A1-4889-AE555592F79C}"/>
               </a:ext>
             </a:extLst>
           </p:cNvPr>
@@ -2661,7 +2661,7 @@
           <a:bodyPr/>
           <a:lstStyle/>
           <a:p>
-            <a:fld id="{3875DCB2-B4CB-4E38-ADAB-7B48818F69B4}" type="datetimeFigureOut">
+            <a:fld id="{3C2ECCBA-BBFB-4916-91D3-AAAD33C09FDA}" type="datetimeFigureOut">
               <a:rPr lang="zh-CN" altLang="en-US" smtClean="0"/>
               <a:t>2024/3/10</a:t>
             </a:fld>
@@ -2674,7 +2674,7 @@
           <p:cNvPr id="6" name="页脚占位符 5">
             <a:extLst>
               <a:ext uri="{FF2B5EF4-FFF2-40B4-BE49-F238E27FC236}">
-                <a16:creationId xmlns:a16="http://schemas.microsoft.com/office/drawing/2014/main" id="{C30727D6-81FD-B61A-7553-2194460F13E5}"/>
+                <a16:creationId xmlns:a16="http://schemas.microsoft.com/office/drawing/2014/main" id="{45FC7EFB-8A6F-6D8A-9408-5820617AA26C}"/>
               </a:ext>
             </a:extLst>
           </p:cNvPr>
@@ -2699,7 +2699,7 @@
           <p:cNvPr id="7" name="灯片编号占位符 6">
             <a:extLst>
               <a:ext uri="{FF2B5EF4-FFF2-40B4-BE49-F238E27FC236}">
-                <a16:creationId xmlns:a16="http://schemas.microsoft.com/office/drawing/2014/main" id="{2374E04F-A0EE-98C5-C221-809578BF692F}"/>
+                <a16:creationId xmlns:a16="http://schemas.microsoft.com/office/drawing/2014/main" id="{85C81531-B208-708A-EE26-4280BDD6F351}"/>
               </a:ext>
             </a:extLst>
           </p:cNvPr>
@@ -2715,7 +2715,7 @@
           <a:bodyPr/>
           <a:lstStyle/>
           <a:p>
-            <a:fld id="{16DCD4C0-20AC-46B2-8645-EB304B0688B3}" type="slidenum">
+            <a:fld id="{86CD7BCB-567F-4964-A8A4-62116D830E77}" type="slidenum">
               <a:rPr lang="zh-CN" altLang="en-US" smtClean="0"/>
               <a:t>‹#›</a:t>
             </a:fld>
@@ -2726,7 +2726,7 @@
     </p:spTree>
     <p:extLst>
       <p:ext uri="{BB962C8B-B14F-4D97-AF65-F5344CB8AC3E}">
-        <p14:creationId xmlns:p14="http://schemas.microsoft.com/office/powerpoint/2010/main" val="4204101435"/>
+        <p14:creationId xmlns:p14="http://schemas.microsoft.com/office/powerpoint/2010/main" val="2192944406"/>
       </p:ext>
     </p:extLst>
   </p:cSld>
@@ -2763,7 +2763,7 @@
           <p:cNvPr id="2" name="标题占位符 1">
             <a:extLst>
               <a:ext uri="{FF2B5EF4-FFF2-40B4-BE49-F238E27FC236}">
-                <a16:creationId xmlns:a16="http://schemas.microsoft.com/office/drawing/2014/main" id="{28558022-55D7-4ED2-6F89-1B443DA1C2C0}"/>
+                <a16:creationId xmlns:a16="http://schemas.microsoft.com/office/drawing/2014/main" id="{580AD6BF-B0EC-87B0-6264-979CF0BDE01A}"/>
               </a:ext>
             </a:extLst>
           </p:cNvPr>
@@ -2801,7 +2801,7 @@
           <p:cNvPr id="3" name="文本占位符 2">
             <a:extLst>
               <a:ext uri="{FF2B5EF4-FFF2-40B4-BE49-F238E27FC236}">
-                <a16:creationId xmlns:a16="http://schemas.microsoft.com/office/drawing/2014/main" id="{730562A3-6F5E-99CB-728E-EC4231415664}"/>
+                <a16:creationId xmlns:a16="http://schemas.microsoft.com/office/drawing/2014/main" id="{D4FBD846-B8B9-4AD0-E674-4A36A39A7BF1}"/>
               </a:ext>
             </a:extLst>
           </p:cNvPr>
@@ -2868,7 +2868,7 @@
           <p:cNvPr id="4" name="日期占位符 3">
             <a:extLst>
               <a:ext uri="{FF2B5EF4-FFF2-40B4-BE49-F238E27FC236}">
-                <a16:creationId xmlns:a16="http://schemas.microsoft.com/office/drawing/2014/main" id="{0E961C2A-EBBD-11E6-9073-0AACD23113CA}"/>
+                <a16:creationId xmlns:a16="http://schemas.microsoft.com/office/drawing/2014/main" id="{F1CA9485-5A73-D6B6-C41F-AB5880B17B61}"/>
               </a:ext>
             </a:extLst>
           </p:cNvPr>
@@ -2902,7 +2902,7 @@
             </a:lvl1pPr>
           </a:lstStyle>
           <a:p>
-            <a:fld id="{3875DCB2-B4CB-4E38-ADAB-7B48818F69B4}" type="datetimeFigureOut">
+            <a:fld id="{3C2ECCBA-BBFB-4916-91D3-AAAD33C09FDA}" type="datetimeFigureOut">
               <a:rPr lang="zh-CN" altLang="en-US" smtClean="0"/>
               <a:t>2024/3/10</a:t>
             </a:fld>
@@ -2915,7 +2915,7 @@
           <p:cNvPr id="5" name="页脚占位符 4">
             <a:extLst>
               <a:ext uri="{FF2B5EF4-FFF2-40B4-BE49-F238E27FC236}">
-                <a16:creationId xmlns:a16="http://schemas.microsoft.com/office/drawing/2014/main" id="{21B884DB-AD26-8B43-DF09-E8AAB7EF0B78}"/>
+                <a16:creationId xmlns:a16="http://schemas.microsoft.com/office/drawing/2014/main" id="{88929863-14D6-E80C-79B6-153FA8AC90EF}"/>
               </a:ext>
             </a:extLst>
           </p:cNvPr>
@@ -2958,7 +2958,7 @@
           <p:cNvPr id="6" name="灯片编号占位符 5">
             <a:extLst>
               <a:ext uri="{FF2B5EF4-FFF2-40B4-BE49-F238E27FC236}">
-                <a16:creationId xmlns:a16="http://schemas.microsoft.com/office/drawing/2014/main" id="{B272CFC2-F865-70DD-5B3D-4AAAAA404591}"/>
+                <a16:creationId xmlns:a16="http://schemas.microsoft.com/office/drawing/2014/main" id="{1A480D5C-43AE-635B-1830-AC4AFF6A4C58}"/>
               </a:ext>
             </a:extLst>
           </p:cNvPr>
@@ -2992,7 +2992,7 @@
             </a:lvl1pPr>
           </a:lstStyle>
           <a:p>
-            <a:fld id="{16DCD4C0-20AC-46B2-8645-EB304B0688B3}" type="slidenum">
+            <a:fld id="{86CD7BCB-567F-4964-A8A4-62116D830E77}" type="slidenum">
               <a:rPr lang="zh-CN" altLang="en-US" smtClean="0"/>
               <a:t>‹#›</a:t>
             </a:fld>
@@ -3003,7 +3003,7 @@
     </p:spTree>
     <p:extLst>
       <p:ext uri="{BB962C8B-B14F-4D97-AF65-F5344CB8AC3E}">
-        <p14:creationId xmlns:p14="http://schemas.microsoft.com/office/powerpoint/2010/main" val="2269135400"/>
+        <p14:creationId xmlns:p14="http://schemas.microsoft.com/office/powerpoint/2010/main" val="3226452072"/>
       </p:ext>
     </p:extLst>
   </p:cSld>
